--- a/docs/diagrams/WhiteBlackDiagrams/UndoRedoNewCommand1StackDiagram.pptx
+++ b/docs/diagrams/WhiteBlackDiagrams/UndoRedoNewCommand1StackDiagram.pptx
@@ -3349,198 +3349,14 @@
       </p:grpSpPr>
       <p:sp>
         <p:nvSpPr>
-          <p:cNvPr id="10" name="TextBox 9">
-            <a:extLst>
-              <a:ext uri="{FF2B5EF4-FFF2-40B4-BE49-F238E27FC236}">
-                <a16:creationId xmlns:a16="http://schemas.microsoft.com/office/drawing/2014/main" id="{1E4F0408-5354-4F6A-B568-8265CE447C44}"/>
-              </a:ext>
-            </a:extLst>
-          </p:cNvPr>
-          <p:cNvSpPr txBox="1"/>
-          <p:nvPr/>
-        </p:nvSpPr>
-        <p:spPr>
-          <a:xfrm>
-            <a:off x="256078" y="3401081"/>
-            <a:ext cx="2286726" cy="369305"/>
-          </a:xfrm>
-          <a:prstGeom prst="rect">
-            <a:avLst/>
-          </a:prstGeom>
-          <a:noFill/>
-          <a:ln>
-            <a:solidFill>
-              <a:schemeClr val="bg1"/>
-            </a:solidFill>
-          </a:ln>
-        </p:spPr>
-        <p:txBody>
-          <a:bodyPr wrap="square" rtlCol="0">
-            <a:spAutoFit/>
-          </a:bodyPr>
-          <a:lstStyle/>
-          <a:p>
-            <a:pPr algn="ctr"/>
-            <a:r>
-              <a:rPr lang="en-SG" dirty="0" err="1">
-                <a:latin typeface="Consolas" panose="020B0609020204030204" pitchFamily="49" charset="0"/>
-              </a:rPr>
-              <a:t>undoStack</a:t>
-            </a:r>
-            <a:endParaRPr lang="en-SG" dirty="0">
-              <a:latin typeface="Consolas" panose="020B0609020204030204" pitchFamily="49" charset="0"/>
-            </a:endParaRPr>
-          </a:p>
-        </p:txBody>
-      </p:sp>
-      <p:sp>
-        <p:nvSpPr>
-          <p:cNvPr id="11" name="TextBox 10">
-            <a:extLst>
-              <a:ext uri="{FF2B5EF4-FFF2-40B4-BE49-F238E27FC236}">
-                <a16:creationId xmlns:a16="http://schemas.microsoft.com/office/drawing/2014/main" id="{AEDA3BD1-2236-4D57-B42D-805C563D5E78}"/>
-              </a:ext>
-            </a:extLst>
-          </p:cNvPr>
-          <p:cNvSpPr txBox="1"/>
-          <p:nvPr/>
-        </p:nvSpPr>
-        <p:spPr>
-          <a:xfrm>
-            <a:off x="2654218" y="3397690"/>
-            <a:ext cx="2282140" cy="372696"/>
-          </a:xfrm>
-          <a:prstGeom prst="rect">
-            <a:avLst/>
-          </a:prstGeom>
-          <a:noFill/>
-          <a:ln>
-            <a:solidFill>
-              <a:schemeClr val="bg1"/>
-            </a:solidFill>
-          </a:ln>
-        </p:spPr>
-        <p:txBody>
-          <a:bodyPr wrap="square" rtlCol="0">
-            <a:spAutoFit/>
-          </a:bodyPr>
-          <a:lstStyle/>
-          <a:p>
-            <a:pPr algn="ctr"/>
-            <a:r>
-              <a:rPr lang="en-SG" dirty="0" err="1">
-                <a:latin typeface="Consolas" panose="020B0609020204030204" pitchFamily="49" charset="0"/>
-              </a:rPr>
-              <a:t>redoStack</a:t>
-            </a:r>
-            <a:endParaRPr lang="en-SG" dirty="0">
-              <a:latin typeface="Consolas" panose="020B0609020204030204" pitchFamily="49" charset="0"/>
-            </a:endParaRPr>
-          </a:p>
-        </p:txBody>
-      </p:sp>
-      <p:sp>
-        <p:nvSpPr>
-          <p:cNvPr id="44" name="TextBox 43">
-            <a:extLst>
-              <a:ext uri="{FF2B5EF4-FFF2-40B4-BE49-F238E27FC236}">
-                <a16:creationId xmlns:a16="http://schemas.microsoft.com/office/drawing/2014/main" id="{BF18A34F-BB1F-44B5-9B2B-9290B2E65D50}"/>
-              </a:ext>
-            </a:extLst>
-          </p:cNvPr>
-          <p:cNvSpPr txBox="1"/>
-          <p:nvPr/>
-        </p:nvSpPr>
-        <p:spPr>
-          <a:xfrm>
-            <a:off x="7228814" y="3397690"/>
-            <a:ext cx="2286726" cy="369305"/>
-          </a:xfrm>
-          <a:prstGeom prst="rect">
-            <a:avLst/>
-          </a:prstGeom>
-          <a:noFill/>
-          <a:ln>
-            <a:solidFill>
-              <a:schemeClr val="bg1"/>
-            </a:solidFill>
-          </a:ln>
-        </p:spPr>
-        <p:txBody>
-          <a:bodyPr wrap="square" rtlCol="0">
-            <a:spAutoFit/>
-          </a:bodyPr>
-          <a:lstStyle/>
-          <a:p>
-            <a:pPr algn="ctr"/>
-            <a:r>
-              <a:rPr lang="en-SG" dirty="0" err="1">
-                <a:latin typeface="Consolas" panose="020B0609020204030204" pitchFamily="49" charset="0"/>
-              </a:rPr>
-              <a:t>undoStack</a:t>
-            </a:r>
-            <a:endParaRPr lang="en-SG" dirty="0">
-              <a:latin typeface="Consolas" panose="020B0609020204030204" pitchFamily="49" charset="0"/>
-            </a:endParaRPr>
-          </a:p>
-        </p:txBody>
-      </p:sp>
-      <p:sp>
-        <p:nvSpPr>
-          <p:cNvPr id="45" name="TextBox 44">
-            <a:extLst>
-              <a:ext uri="{FF2B5EF4-FFF2-40B4-BE49-F238E27FC236}">
-                <a16:creationId xmlns:a16="http://schemas.microsoft.com/office/drawing/2014/main" id="{3151A13B-9509-43FA-BFEB-1D9866A00B84}"/>
-              </a:ext>
-            </a:extLst>
-          </p:cNvPr>
-          <p:cNvSpPr txBox="1"/>
-          <p:nvPr/>
-        </p:nvSpPr>
-        <p:spPr>
-          <a:xfrm>
-            <a:off x="9626955" y="3394300"/>
-            <a:ext cx="2282140" cy="372696"/>
-          </a:xfrm>
-          <a:prstGeom prst="rect">
-            <a:avLst/>
-          </a:prstGeom>
-          <a:noFill/>
-          <a:ln>
-            <a:solidFill>
-              <a:schemeClr val="bg1"/>
-            </a:solidFill>
-          </a:ln>
-        </p:spPr>
-        <p:txBody>
-          <a:bodyPr wrap="square" rtlCol="0">
-            <a:spAutoFit/>
-          </a:bodyPr>
-          <a:lstStyle/>
-          <a:p>
-            <a:pPr algn="ctr"/>
-            <a:r>
-              <a:rPr lang="en-SG" dirty="0" err="1">
-                <a:latin typeface="Consolas" panose="020B0609020204030204" pitchFamily="49" charset="0"/>
-              </a:rPr>
-              <a:t>redoStack</a:t>
-            </a:r>
-            <a:endParaRPr lang="en-SG" dirty="0">
-              <a:latin typeface="Consolas" panose="020B0609020204030204" pitchFamily="49" charset="0"/>
-            </a:endParaRPr>
-          </a:p>
-        </p:txBody>
-      </p:sp>
-      <p:sp>
-        <p:nvSpPr>
           <p:cNvPr id="28" name="Freeform 27"/>
           <p:cNvSpPr/>
           <p:nvPr/>
         </p:nvSpPr>
         <p:spPr>
           <a:xfrm>
-            <a:off x="7088550" y="1016643"/>
-            <a:ext cx="2433622" cy="2404173"/>
+            <a:off x="7296981" y="1494315"/>
+            <a:ext cx="2621293" cy="2382474"/>
           </a:xfrm>
           <a:custGeom>
             <a:avLst/>
@@ -3631,8 +3447,8 @@
         </p:nvSpPr>
         <p:spPr>
           <a:xfrm>
-            <a:off x="9603703" y="1016643"/>
-            <a:ext cx="2433622" cy="2404173"/>
+            <a:off x="10006092" y="1494315"/>
+            <a:ext cx="2621293" cy="2382474"/>
           </a:xfrm>
           <a:custGeom>
             <a:avLst/>
@@ -3723,8 +3539,8 @@
         </p:nvSpPr>
         <p:spPr>
           <a:xfrm>
-            <a:off x="2628592" y="1016643"/>
-            <a:ext cx="2433622" cy="2404173"/>
+            <a:off x="2493090" y="1494315"/>
+            <a:ext cx="2621293" cy="2382474"/>
           </a:xfrm>
           <a:custGeom>
             <a:avLst/>
@@ -3815,8 +3631,8 @@
         </p:nvSpPr>
         <p:spPr>
           <a:xfrm>
-            <a:off x="109182" y="1016643"/>
-            <a:ext cx="2433622" cy="2404173"/>
+            <a:off x="-220607" y="1494315"/>
+            <a:ext cx="2621293" cy="2382474"/>
           </a:xfrm>
           <a:custGeom>
             <a:avLst/>
@@ -3901,6 +3717,88 @@
       </p:sp>
       <p:sp>
         <p:nvSpPr>
+          <p:cNvPr id="10" name="TextBox 9">
+            <a:extLst>
+              <a:ext uri="{FF2B5EF4-FFF2-40B4-BE49-F238E27FC236}">
+                <a16:creationId xmlns:a16="http://schemas.microsoft.com/office/drawing/2014/main" id="{1E4F0408-5354-4F6A-B568-8265CE447C44}"/>
+              </a:ext>
+            </a:extLst>
+          </p:cNvPr>
+          <p:cNvSpPr txBox="1"/>
+          <p:nvPr/>
+        </p:nvSpPr>
+        <p:spPr>
+          <a:xfrm>
+            <a:off x="-62383" y="3857232"/>
+            <a:ext cx="2463069" cy="365972"/>
+          </a:xfrm>
+          <a:prstGeom prst="rect">
+            <a:avLst/>
+          </a:prstGeom>
+          <a:noFill/>
+        </p:spPr>
+        <p:txBody>
+          <a:bodyPr wrap="square" rtlCol="0">
+            <a:spAutoFit/>
+          </a:bodyPr>
+          <a:lstStyle/>
+          <a:p>
+            <a:pPr algn="ctr"/>
+            <a:r>
+              <a:rPr lang="en-SG" dirty="0" err="1">
+                <a:latin typeface="Consolas" panose="020B0609020204030204" pitchFamily="49" charset="0"/>
+              </a:rPr>
+              <a:t>undoStack</a:t>
+            </a:r>
+            <a:endParaRPr lang="en-SG" dirty="0">
+              <a:latin typeface="Consolas" panose="020B0609020204030204" pitchFamily="49" charset="0"/>
+            </a:endParaRPr>
+          </a:p>
+        </p:txBody>
+      </p:sp>
+      <p:sp>
+        <p:nvSpPr>
+          <p:cNvPr id="11" name="TextBox 10">
+            <a:extLst>
+              <a:ext uri="{FF2B5EF4-FFF2-40B4-BE49-F238E27FC236}">
+                <a16:creationId xmlns:a16="http://schemas.microsoft.com/office/drawing/2014/main" id="{AEDA3BD1-2236-4D57-B42D-805C563D5E78}"/>
+              </a:ext>
+            </a:extLst>
+          </p:cNvPr>
+          <p:cNvSpPr txBox="1"/>
+          <p:nvPr/>
+        </p:nvSpPr>
+        <p:spPr>
+          <a:xfrm>
+            <a:off x="2520692" y="3853872"/>
+            <a:ext cx="2458129" cy="369332"/>
+          </a:xfrm>
+          <a:prstGeom prst="rect">
+            <a:avLst/>
+          </a:prstGeom>
+          <a:noFill/>
+        </p:spPr>
+        <p:txBody>
+          <a:bodyPr wrap="square" rtlCol="0">
+            <a:spAutoFit/>
+          </a:bodyPr>
+          <a:lstStyle/>
+          <a:p>
+            <a:pPr algn="ctr"/>
+            <a:r>
+              <a:rPr lang="en-SG" dirty="0" err="1">
+                <a:latin typeface="Consolas" panose="020B0609020204030204" pitchFamily="49" charset="0"/>
+              </a:rPr>
+              <a:t>redoStack</a:t>
+            </a:r>
+            <a:endParaRPr lang="en-SG" dirty="0">
+              <a:latin typeface="Consolas" panose="020B0609020204030204" pitchFamily="49" charset="0"/>
+            </a:endParaRPr>
+          </a:p>
+        </p:txBody>
+      </p:sp>
+      <p:sp>
+        <p:nvSpPr>
           <p:cNvPr id="12" name="Arrow: Right 11">
             <a:extLst>
               <a:ext uri="{FF2B5EF4-FFF2-40B4-BE49-F238E27FC236}">
@@ -3913,8 +3811,8 @@
         </p:nvSpPr>
         <p:spPr>
           <a:xfrm>
-            <a:off x="5143745" y="1361987"/>
-            <a:ext cx="1890286" cy="1274697"/>
+            <a:off x="5202201" y="1836542"/>
+            <a:ext cx="2036057" cy="1263192"/>
           </a:xfrm>
           <a:prstGeom prst="rightArrow">
             <a:avLst/>
@@ -3948,6 +3846,15 @@
           <a:p>
             <a:pPr algn="ctr"/>
             <a:r>
+              <a:rPr lang="en-SG" sz="1600" dirty="0">
+                <a:solidFill>
+                  <a:schemeClr val="tx1"/>
+                </a:solidFill>
+                <a:latin typeface="Consolas" panose="020B0609020204030204" pitchFamily="49" charset="0"/>
+              </a:rPr>
+              <a:t> </a:t>
+            </a:r>
+            <a:r>
               <a:rPr lang="en-SG" dirty="0" err="1">
                 <a:solidFill>
                   <a:schemeClr val="tx1"/>
@@ -3963,8 +3870,90 @@
                 </a:solidFill>
                 <a:latin typeface="Consolas" panose="020B0609020204030204" pitchFamily="49" charset="0"/>
               </a:rPr>
-              <a:t> f/What is …</a:t>
-            </a:r>
+              <a:t> f/What is…</a:t>
+            </a:r>
+          </a:p>
+        </p:txBody>
+      </p:sp>
+      <p:sp>
+        <p:nvSpPr>
+          <p:cNvPr id="44" name="TextBox 43">
+            <a:extLst>
+              <a:ext uri="{FF2B5EF4-FFF2-40B4-BE49-F238E27FC236}">
+                <a16:creationId xmlns:a16="http://schemas.microsoft.com/office/drawing/2014/main" id="{BF18A34F-BB1F-44B5-9B2B-9290B2E65D50}"/>
+              </a:ext>
+            </a:extLst>
+          </p:cNvPr>
+          <p:cNvSpPr txBox="1"/>
+          <p:nvPr/>
+        </p:nvSpPr>
+        <p:spPr>
+          <a:xfrm>
+            <a:off x="7448062" y="3853872"/>
+            <a:ext cx="2463069" cy="365972"/>
+          </a:xfrm>
+          <a:prstGeom prst="rect">
+            <a:avLst/>
+          </a:prstGeom>
+          <a:noFill/>
+        </p:spPr>
+        <p:txBody>
+          <a:bodyPr wrap="square" rtlCol="0">
+            <a:spAutoFit/>
+          </a:bodyPr>
+          <a:lstStyle/>
+          <a:p>
+            <a:pPr algn="ctr"/>
+            <a:r>
+              <a:rPr lang="en-SG" dirty="0" err="1">
+                <a:latin typeface="Consolas" panose="020B0609020204030204" pitchFamily="49" charset="0"/>
+              </a:rPr>
+              <a:t>undoStack</a:t>
+            </a:r>
+            <a:endParaRPr lang="en-SG" dirty="0">
+              <a:latin typeface="Consolas" panose="020B0609020204030204" pitchFamily="49" charset="0"/>
+            </a:endParaRPr>
+          </a:p>
+        </p:txBody>
+      </p:sp>
+      <p:sp>
+        <p:nvSpPr>
+          <p:cNvPr id="45" name="TextBox 44">
+            <a:extLst>
+              <a:ext uri="{FF2B5EF4-FFF2-40B4-BE49-F238E27FC236}">
+                <a16:creationId xmlns:a16="http://schemas.microsoft.com/office/drawing/2014/main" id="{3151A13B-9509-43FA-BFEB-1D9866A00B84}"/>
+              </a:ext>
+            </a:extLst>
+          </p:cNvPr>
+          <p:cNvSpPr txBox="1"/>
+          <p:nvPr/>
+        </p:nvSpPr>
+        <p:spPr>
+          <a:xfrm>
+            <a:off x="10031137" y="3850512"/>
+            <a:ext cx="2458129" cy="369332"/>
+          </a:xfrm>
+          <a:prstGeom prst="rect">
+            <a:avLst/>
+          </a:prstGeom>
+          <a:noFill/>
+        </p:spPr>
+        <p:txBody>
+          <a:bodyPr wrap="square" rtlCol="0">
+            <a:spAutoFit/>
+          </a:bodyPr>
+          <a:lstStyle/>
+          <a:p>
+            <a:pPr algn="ctr"/>
+            <a:r>
+              <a:rPr lang="en-SG" dirty="0" err="1">
+                <a:latin typeface="Consolas" panose="020B0609020204030204" pitchFamily="49" charset="0"/>
+              </a:rPr>
+              <a:t>redoStack</a:t>
+            </a:r>
+            <a:endParaRPr lang="en-SG" dirty="0">
+              <a:latin typeface="Consolas" panose="020B0609020204030204" pitchFamily="49" charset="0"/>
+            </a:endParaRPr>
           </a:p>
         </p:txBody>
       </p:sp>
@@ -3983,14 +3972,14 @@
           <p:nvPr>
             <p:extLst>
               <p:ext uri="{D42A27DB-BD31-4B8C-83A1-F6EECF244321}">
-                <p14:modId xmlns:p14="http://schemas.microsoft.com/office/powerpoint/2010/main" val="4195335283"/>
+                <p14:modId xmlns:p14="http://schemas.microsoft.com/office/powerpoint/2010/main" val="1963480039"/>
               </p:ext>
             </p:extLst>
           </p:nvPr>
         </p:nvGraphicFramePr>
         <p:xfrm>
-          <a:off x="7128158" y="1303626"/>
-          <a:ext cx="2347315" cy="914400"/>
+          <a:off x="7384799" y="1747952"/>
+          <a:ext cx="2458129" cy="914400"/>
         </p:xfrm>
         <a:graphic>
           <a:graphicData uri="http://schemas.openxmlformats.org/drawingml/2006/table">
@@ -3999,7 +3988,7 @@
                 <a:tableStyleId>{306799F8-075E-4A3A-A7F6-7FBC6576F1A4}</a:tableStyleId>
               </a:tblPr>
               <a:tblGrid>
-                <a:gridCol w="2347315">
+                <a:gridCol w="2458129">
                   <a:extLst>
                     <a:ext uri="{9D8B030D-6E8A-4147-A177-3AD203B41FA5}">
                       <a16:colId xmlns:a16="http://schemas.microsoft.com/office/drawing/2014/main" val="4240773277"/>
@@ -4044,15 +4033,7 @@
                       </a:r>
                       <a:r>
                         <a:rPr lang="en-SG" sz="1600" dirty="0"/>
-                        <a:t> = “</a:t>
-                      </a:r>
-                      <a:r>
-                        <a:rPr lang="en-SG" sz="1600" dirty="0" err="1"/>
-                        <a:t>Front:What</a:t>
-                      </a:r>
-                      <a:r>
-                        <a:rPr lang="en-SG" sz="1600" dirty="0"/>
-                        <a:t> is…”</a:t>
+                        <a:t> = “Front: What is ..”</a:t>
                       </a:r>
                     </a:p>
                     <a:p>
@@ -4093,14 +4074,14 @@
           <p:nvPr>
             <p:extLst>
               <p:ext uri="{D42A27DB-BD31-4B8C-83A1-F6EECF244321}">
-                <p14:modId xmlns:p14="http://schemas.microsoft.com/office/powerpoint/2010/main" val="1215502325"/>
+                <p14:modId xmlns:p14="http://schemas.microsoft.com/office/powerpoint/2010/main" val="4061620549"/>
               </p:ext>
             </p:extLst>
           </p:nvPr>
         </p:nvGraphicFramePr>
         <p:xfrm>
-          <a:off x="172081" y="2342740"/>
-          <a:ext cx="2270868" cy="914400"/>
+          <a:off x="-150829" y="2786220"/>
+          <a:ext cx="2454721" cy="1005840"/>
         </p:xfrm>
         <a:graphic>
           <a:graphicData uri="http://schemas.openxmlformats.org/drawingml/2006/table">
@@ -4109,7 +4090,7 @@
                 <a:tableStyleId>{306799F8-075E-4A3A-A7F6-7FBC6576F1A4}</a:tableStyleId>
               </a:tblPr>
               <a:tblGrid>
-                <a:gridCol w="2270868">
+                <a:gridCol w="2454721">
                   <a:extLst>
                     <a:ext uri="{9D8B030D-6E8A-4147-A177-3AD203B41FA5}">
                       <a16:colId xmlns:a16="http://schemas.microsoft.com/office/drawing/2014/main" val="4240773277"/>
@@ -4124,14 +4105,14 @@
                     <a:lstStyle/>
                     <a:p>
                       <a:r>
-                        <a:rPr lang="en-SG" sz="1600" u="sng" dirty="0"/>
+                        <a:rPr lang="en-SG" u="sng" dirty="0"/>
                         <a:t>:</a:t>
                       </a:r>
                       <a:r>
-                        <a:rPr lang="en-SG" sz="1600" u="sng" dirty="0" err="1"/>
+                        <a:rPr lang="en-SG" u="sng" dirty="0" err="1"/>
                         <a:t>DeleteCardCommand</a:t>
                       </a:r>
-                      <a:endParaRPr lang="en-SG" sz="1600" u="sng" dirty="0"/>
+                      <a:endParaRPr lang="en-SG" u="sng" dirty="0"/>
                     </a:p>
                   </a:txBody>
                   <a:tcPr/>
@@ -4149,21 +4130,21 @@
                     <a:lstStyle/>
                     <a:p>
                       <a:r>
-                        <a:rPr lang="en-SG" sz="1600" dirty="0" err="1"/>
+                        <a:rPr lang="en-SG" dirty="0" err="1"/>
                         <a:t>targetIndex</a:t>
                       </a:r>
                       <a:r>
-                        <a:rPr lang="en-SG" sz="1600" dirty="0"/>
+                        <a:rPr lang="en-SG" dirty="0"/>
                         <a:t> = 5</a:t>
                       </a:r>
                     </a:p>
                     <a:p>
                       <a:r>
-                        <a:rPr lang="en-SG" sz="1600" dirty="0" err="1"/>
+                        <a:rPr lang="en-SG" dirty="0" err="1"/>
                         <a:t>prevCardBank</a:t>
                       </a:r>
                       <a:r>
-                        <a:rPr lang="en-SG" sz="1600" dirty="0"/>
+                        <a:rPr lang="en-SG" dirty="0"/>
                         <a:t> = s3</a:t>
                       </a:r>
                     </a:p>
@@ -4195,14 +4176,14 @@
           <p:nvPr>
             <p:extLst>
               <p:ext uri="{D42A27DB-BD31-4B8C-83A1-F6EECF244321}">
-                <p14:modId xmlns:p14="http://schemas.microsoft.com/office/powerpoint/2010/main" val="2653623402"/>
+                <p14:modId xmlns:p14="http://schemas.microsoft.com/office/powerpoint/2010/main" val="4151320364"/>
               </p:ext>
             </p:extLst>
           </p:nvPr>
         </p:nvGraphicFramePr>
         <p:xfrm>
-          <a:off x="7128158" y="2388460"/>
-          <a:ext cx="2347315" cy="914400"/>
+          <a:off x="7384799" y="2764546"/>
+          <a:ext cx="2458129" cy="1005840"/>
         </p:xfrm>
         <a:graphic>
           <a:graphicData uri="http://schemas.openxmlformats.org/drawingml/2006/table">
@@ -4211,7 +4192,7 @@
                 <a:tableStyleId>{306799F8-075E-4A3A-A7F6-7FBC6576F1A4}</a:tableStyleId>
               </a:tblPr>
               <a:tblGrid>
-                <a:gridCol w="2347315">
+                <a:gridCol w="2458129">
                   <a:extLst>
                     <a:ext uri="{9D8B030D-6E8A-4147-A177-3AD203B41FA5}">
                       <a16:colId xmlns:a16="http://schemas.microsoft.com/office/drawing/2014/main" val="4240773277"/>
@@ -4226,14 +4207,14 @@
                     <a:lstStyle/>
                     <a:p>
                       <a:r>
-                        <a:rPr lang="en-SG" sz="1600" u="sng" dirty="0"/>
+                        <a:rPr lang="en-SG" u="sng" dirty="0"/>
                         <a:t>:</a:t>
                       </a:r>
                       <a:r>
-                        <a:rPr lang="en-SG" sz="1600" u="sng" dirty="0" err="1"/>
+                        <a:rPr lang="en-SG" u="sng" dirty="0" err="1"/>
                         <a:t>DeleteCardCommand</a:t>
                       </a:r>
-                      <a:endParaRPr lang="en-SG" sz="1600" u="sng" dirty="0"/>
+                      <a:endParaRPr lang="en-SG" u="sng" dirty="0"/>
                     </a:p>
                   </a:txBody>
                   <a:tcPr/>
@@ -4251,21 +4232,21 @@
                     <a:lstStyle/>
                     <a:p>
                       <a:r>
-                        <a:rPr lang="en-SG" sz="1600" dirty="0" err="1"/>
+                        <a:rPr lang="en-SG" dirty="0" err="1"/>
                         <a:t>targetIndex</a:t>
                       </a:r>
                       <a:r>
-                        <a:rPr lang="en-SG" sz="1600" dirty="0"/>
+                        <a:rPr lang="en-SG" dirty="0"/>
                         <a:t> = 5</a:t>
                       </a:r>
                     </a:p>
                     <a:p>
                       <a:r>
-                        <a:rPr lang="en-SG" sz="1600" dirty="0" err="1"/>
+                        <a:rPr lang="en-SG" dirty="0" err="1"/>
                         <a:t>prevCardBank</a:t>
                       </a:r>
                       <a:r>
-                        <a:rPr lang="en-SG" sz="1600" dirty="0"/>
+                        <a:rPr lang="en-SG" dirty="0"/>
                         <a:t> = s3</a:t>
                       </a:r>
                     </a:p>
